--- a/docs/[simplog] 요구사항 분석.pptx
+++ b/docs/[simplog] 요구사항 분석.pptx
@@ -285,7 +285,7 @@
                 </a:solidFill>
               </a:rPr>
               <a:pPr/>
-              <a:t>2020-12-14</a:t>
+              <a:t>2020-12-15</a:t>
             </a:fld>
             <a:endParaRPr lang="ko-KR" altLang="en-US" dirty="0">
               <a:solidFill>
@@ -527,7 +527,7 @@
                 </a:solidFill>
               </a:rPr>
               <a:pPr/>
-              <a:t>2020-12-14</a:t>
+              <a:t>2020-12-15</a:t>
             </a:fld>
             <a:endParaRPr lang="ko-KR" altLang="en-US" dirty="0">
               <a:solidFill>
@@ -779,7 +779,7 @@
                 </a:solidFill>
               </a:rPr>
               <a:pPr/>
-              <a:t>2020-12-14</a:t>
+              <a:t>2020-12-15</a:t>
             </a:fld>
             <a:endParaRPr lang="ko-KR" altLang="en-US" dirty="0">
               <a:solidFill>
@@ -1021,7 +1021,7 @@
                 </a:solidFill>
               </a:rPr>
               <a:pPr/>
-              <a:t>2020-12-14</a:t>
+              <a:t>2020-12-15</a:t>
             </a:fld>
             <a:endParaRPr lang="ko-KR" altLang="en-US" dirty="0">
               <a:solidFill>
@@ -1340,7 +1340,7 @@
                 </a:solidFill>
               </a:rPr>
               <a:pPr/>
-              <a:t>2020-12-14</a:t>
+              <a:t>2020-12-15</a:t>
             </a:fld>
             <a:endParaRPr lang="ko-KR" altLang="en-US" dirty="0">
               <a:solidFill>
@@ -1649,7 +1649,7 @@
                 </a:solidFill>
               </a:rPr>
               <a:pPr/>
-              <a:t>2020-12-14</a:t>
+              <a:t>2020-12-15</a:t>
             </a:fld>
             <a:endParaRPr lang="ko-KR" altLang="en-US" dirty="0">
               <a:solidFill>
@@ -2105,7 +2105,7 @@
                 </a:solidFill>
               </a:rPr>
               <a:pPr/>
-              <a:t>2020-12-14</a:t>
+              <a:t>2020-12-15</a:t>
             </a:fld>
             <a:endParaRPr lang="ko-KR" altLang="en-US" dirty="0">
               <a:solidFill>
@@ -2290,7 +2290,7 @@
                 </a:solidFill>
               </a:rPr>
               <a:pPr/>
-              <a:t>2020-12-14</a:t>
+              <a:t>2020-12-15</a:t>
             </a:fld>
             <a:endParaRPr lang="ko-KR" altLang="en-US" dirty="0">
               <a:solidFill>
@@ -2447,7 +2447,7 @@
                 </a:solidFill>
               </a:rPr>
               <a:pPr/>
-              <a:t>2020-12-14</a:t>
+              <a:t>2020-12-15</a:t>
             </a:fld>
             <a:endParaRPr lang="ko-KR" altLang="en-US" dirty="0">
               <a:solidFill>
@@ -2802,7 +2802,7 @@
                 </a:solidFill>
               </a:rPr>
               <a:pPr/>
-              <a:t>2020-12-14</a:t>
+              <a:t>2020-12-15</a:t>
             </a:fld>
             <a:endParaRPr lang="ko-KR" altLang="en-US" dirty="0">
               <a:solidFill>
@@ -3134,7 +3134,7 @@
                 </a:solidFill>
               </a:rPr>
               <a:pPr/>
-              <a:t>2020-12-14</a:t>
+              <a:t>2020-12-15</a:t>
             </a:fld>
             <a:endParaRPr lang="ko-KR" altLang="en-US" dirty="0">
               <a:solidFill>
@@ -3433,7 +3433,7 @@
                 </a:solidFill>
               </a:rPr>
               <a:pPr/>
-              <a:t>2020-12-14</a:t>
+              <a:t>2020-12-15</a:t>
             </a:fld>
             <a:endParaRPr lang="ko-KR" altLang="en-US" dirty="0">
               <a:solidFill>
@@ -4359,8 +4359,8 @@
         </p:nvGrpSpPr>
         <p:grpSpPr>
           <a:xfrm>
-            <a:off x="1891726" y="1511817"/>
-            <a:ext cx="8408548" cy="3834366"/>
+            <a:off x="2275185" y="1511817"/>
+            <a:ext cx="7641630" cy="3834366"/>
             <a:chOff x="3432762" y="2110332"/>
             <a:chExt cx="5328000" cy="3015658"/>
           </a:xfrm>
@@ -4432,7 +4432,7 @@
                   <a:latin typeface="나눔스퀘어_ac Bold" panose="020B0600000101010101" pitchFamily="50" charset="-127"/>
                   <a:ea typeface="나눔스퀘어_ac Bold" panose="020B0600000101010101" pitchFamily="50" charset="-127"/>
                 </a:rPr>
-                <a:t>이상입니다</a:t>
+                <a:t>감사합니다</a:t>
               </a:r>
               <a:endParaRPr lang="en-US" altLang="ko-KR" sz="2400" kern="0" dirty="0">
                 <a:solidFill>
@@ -43094,7 +43094,7 @@
               <a:t>, </a:t>
             </a:r>
             <a:r>
-              <a:rPr lang="ko-KR" altLang="en-US" sz="1400" dirty="0" err="1">
+              <a:rPr lang="ko-KR" altLang="en-US" sz="1400">
                 <a:solidFill>
                   <a:schemeClr val="tx1"/>
                 </a:solidFill>

--- a/docs/[simplog] 요구사항 분석.pptx
+++ b/docs/[simplog] 요구사항 분석.pptx
@@ -43094,7 +43094,7 @@
               <a:t>, </a:t>
             </a:r>
             <a:r>
-              <a:rPr lang="ko-KR" altLang="en-US" sz="1400">
+              <a:rPr lang="ko-KR" altLang="en-US" sz="1400" dirty="0" err="1">
                 <a:solidFill>
                   <a:schemeClr val="tx1"/>
                 </a:solidFill>
